--- a/semi_project_final.pptx
+++ b/semi_project_final.pptx
@@ -6,7 +6,7 @@
     <p:sldMasterId id="2147483660" r:id="rId2"/>
   </p:sldMasterIdLst>
   <p:sldIdLst>
-    <p:sldId id="256" r:id="rId3"/>
+    <p:sldId id="277" r:id="rId3"/>
     <p:sldId id="293" r:id="rId4"/>
     <p:sldId id="294" r:id="rId5"/>
     <p:sldId id="296" r:id="rId6"/>
@@ -4333,63 +4333,207 @@
           <a:chExt cx="0" cy="0"/>
         </a:xfrm>
       </p:grpSpPr>
-      <p:sp>
-        <p:nvSpPr>
-          <p:cNvPr id="2" name="제목 1">
-            <a:extLst>
-              <a:ext uri="{FF2B5EF4-FFF2-40B4-BE49-F238E27FC236}">
-                <a16:creationId xmlns:a16="http://schemas.microsoft.com/office/drawing/2014/main" id="{D4AD7A76-BE7E-F47A-E807-CE516C70F255}"/>
-              </a:ext>
-            </a:extLst>
-          </p:cNvPr>
-          <p:cNvSpPr>
-            <a:spLocks noGrp="1"/>
-          </p:cNvSpPr>
-          <p:nvPr>
-            <p:ph type="ctrTitle"/>
-          </p:nvPr>
-        </p:nvSpPr>
-        <p:spPr/>
-        <p:txBody>
-          <a:bodyPr/>
-          <a:lstStyle/>
-          <a:p>
-            <a:r>
-              <a:rPr lang="ko-KR" altLang="en-US" dirty="0"/>
-              <a:t>제목</a:t>
-            </a:r>
-          </a:p>
-        </p:txBody>
-      </p:sp>
-      <p:sp>
-        <p:nvSpPr>
-          <p:cNvPr id="3" name="부제목 2">
-            <a:extLst>
-              <a:ext uri="{FF2B5EF4-FFF2-40B4-BE49-F238E27FC236}">
-                <a16:creationId xmlns:a16="http://schemas.microsoft.com/office/drawing/2014/main" id="{7BF96D4C-24C3-2ECD-4ADB-5F2D7A17282A}"/>
-              </a:ext>
-            </a:extLst>
-          </p:cNvPr>
-          <p:cNvSpPr>
-            <a:spLocks noGrp="1"/>
-          </p:cNvSpPr>
-          <p:nvPr>
-            <p:ph type="subTitle" idx="1"/>
-          </p:nvPr>
-        </p:nvSpPr>
-        <p:spPr/>
-        <p:txBody>
-          <a:bodyPr/>
-          <a:lstStyle/>
-          <a:p>
-            <a:endParaRPr lang="ko-KR" altLang="en-US" dirty="0"/>
-          </a:p>
-        </p:txBody>
-      </p:sp>
+      <p:cxnSp>
+        <p:nvCxnSpPr>
+          <p:cNvPr id="3" name="직선 연결선 2">
+            <a:extLst>
+              <a:ext uri="{FF2B5EF4-FFF2-40B4-BE49-F238E27FC236}">
+                <a16:creationId xmlns:a16="http://schemas.microsoft.com/office/drawing/2014/main" id="{E3FBA607-E7FC-B7F8-2868-BC448F31F790}"/>
+              </a:ext>
+            </a:extLst>
+          </p:cNvPr>
+          <p:cNvCxnSpPr/>
+          <p:nvPr/>
+        </p:nvCxnSpPr>
+        <p:spPr>
+          <a:xfrm>
+            <a:off x="144378" y="160422"/>
+            <a:ext cx="12060000" cy="0"/>
+          </a:xfrm>
+          <a:prstGeom prst="line">
+            <a:avLst/>
+          </a:prstGeom>
+          <a:ln w="76200">
+            <a:solidFill>
+              <a:schemeClr val="accent1"/>
+            </a:solidFill>
+          </a:ln>
+        </p:spPr>
+        <p:style>
+          <a:lnRef idx="1">
+            <a:schemeClr val="accent1"/>
+          </a:lnRef>
+          <a:fillRef idx="0">
+            <a:schemeClr val="accent1"/>
+          </a:fillRef>
+          <a:effectRef idx="0">
+            <a:schemeClr val="accent1"/>
+          </a:effectRef>
+          <a:fontRef idx="minor">
+            <a:schemeClr val="tx1"/>
+          </a:fontRef>
+        </p:style>
+      </p:cxnSp>
+      <p:cxnSp>
+        <p:nvCxnSpPr>
+          <p:cNvPr id="6" name="직선 연결선 5">
+            <a:extLst>
+              <a:ext uri="{FF2B5EF4-FFF2-40B4-BE49-F238E27FC236}">
+                <a16:creationId xmlns:a16="http://schemas.microsoft.com/office/drawing/2014/main" id="{227D3D02-66A7-B0C0-2CF2-A0900C18861C}"/>
+              </a:ext>
+            </a:extLst>
+          </p:cNvPr>
+          <p:cNvCxnSpPr/>
+          <p:nvPr/>
+        </p:nvCxnSpPr>
+        <p:spPr>
+          <a:xfrm>
+            <a:off x="144378" y="6737685"/>
+            <a:ext cx="12060000" cy="0"/>
+          </a:xfrm>
+          <a:prstGeom prst="line">
+            <a:avLst/>
+          </a:prstGeom>
+          <a:ln w="3175">
+            <a:solidFill>
+              <a:schemeClr val="accent1"/>
+            </a:solidFill>
+          </a:ln>
+        </p:spPr>
+        <p:style>
+          <a:lnRef idx="1">
+            <a:schemeClr val="accent1"/>
+          </a:lnRef>
+          <a:fillRef idx="0">
+            <a:schemeClr val="accent1"/>
+          </a:fillRef>
+          <a:effectRef idx="0">
+            <a:schemeClr val="accent1"/>
+          </a:effectRef>
+          <a:fontRef idx="minor">
+            <a:schemeClr val="tx1"/>
+          </a:fontRef>
+        </p:style>
+      </p:cxnSp>
+      <p:grpSp>
+        <p:nvGrpSpPr>
+          <p:cNvPr id="2" name="그룹 1">
+            <a:extLst>
+              <a:ext uri="{FF2B5EF4-FFF2-40B4-BE49-F238E27FC236}">
+                <a16:creationId xmlns:a16="http://schemas.microsoft.com/office/drawing/2014/main" id="{8DBE6E24-704D-A7B5-29FD-50D607BF0059}"/>
+              </a:ext>
+            </a:extLst>
+          </p:cNvPr>
+          <p:cNvGrpSpPr/>
+          <p:nvPr/>
+        </p:nvGrpSpPr>
+        <p:grpSpPr>
+          <a:xfrm>
+            <a:off x="1155031" y="1890131"/>
+            <a:ext cx="9881937" cy="3077737"/>
+            <a:chOff x="1155031" y="1910185"/>
+            <a:chExt cx="9881937" cy="3077737"/>
+          </a:xfrm>
+        </p:grpSpPr>
+        <p:sp>
+          <p:nvSpPr>
+            <p:cNvPr id="7" name="TextBox 6">
+              <a:extLst>
+                <a:ext uri="{FF2B5EF4-FFF2-40B4-BE49-F238E27FC236}">
+                  <a16:creationId xmlns:a16="http://schemas.microsoft.com/office/drawing/2014/main" id="{A254DFCD-6BFA-802A-68C5-CE8AE1818DA3}"/>
+                </a:ext>
+              </a:extLst>
+            </p:cNvPr>
+            <p:cNvSpPr txBox="1"/>
+            <p:nvPr/>
+          </p:nvSpPr>
+          <p:spPr>
+            <a:xfrm>
+              <a:off x="1465560" y="2900782"/>
+              <a:ext cx="9244838" cy="1107996"/>
+            </a:xfrm>
+            <a:prstGeom prst="rect">
+              <a:avLst/>
+            </a:prstGeom>
+            <a:noFill/>
+          </p:spPr>
+          <p:txBody>
+            <a:bodyPr wrap="none" rtlCol="0">
+              <a:spAutoFit/>
+            </a:bodyPr>
+            <a:lstStyle/>
+            <a:p>
+              <a:pPr algn="ctr"/>
+              <a:r>
+                <a:rPr lang="ko-KR" altLang="en-US" sz="6600" b="1" dirty="0" err="1">
+                  <a:solidFill>
+                    <a:schemeClr val="accent1"/>
+                  </a:solidFill>
+                </a:rPr>
+                <a:t>노산과</a:t>
+              </a:r>
+              <a:r>
+                <a:rPr lang="ko-KR" altLang="en-US" sz="6600" b="1" dirty="0">
+                  <a:solidFill>
+                    <a:schemeClr val="accent1"/>
+                  </a:solidFill>
+                </a:rPr>
+                <a:t> 장애의 상관관계</a:t>
+              </a:r>
+            </a:p>
+          </p:txBody>
+        </p:sp>
+        <p:sp>
+          <p:nvSpPr>
+            <p:cNvPr id="11" name="양쪽 대괄호 10">
+              <a:extLst>
+                <a:ext uri="{FF2B5EF4-FFF2-40B4-BE49-F238E27FC236}">
+                  <a16:creationId xmlns:a16="http://schemas.microsoft.com/office/drawing/2014/main" id="{BB84A156-89D3-24C7-611D-EAAE09E85E87}"/>
+                </a:ext>
+              </a:extLst>
+            </p:cNvPr>
+            <p:cNvSpPr/>
+            <p:nvPr/>
+          </p:nvSpPr>
+          <p:spPr>
+            <a:xfrm>
+              <a:off x="1155031" y="1910185"/>
+              <a:ext cx="9881937" cy="3077737"/>
+            </a:xfrm>
+            <a:prstGeom prst="bracketPair">
+              <a:avLst>
+                <a:gd name="adj" fmla="val 12319"/>
+              </a:avLst>
+            </a:prstGeom>
+          </p:spPr>
+          <p:style>
+            <a:lnRef idx="1">
+              <a:schemeClr val="accent1"/>
+            </a:lnRef>
+            <a:fillRef idx="0">
+              <a:schemeClr val="accent1"/>
+            </a:fillRef>
+            <a:effectRef idx="0">
+              <a:schemeClr val="accent1"/>
+            </a:effectRef>
+            <a:fontRef idx="minor">
+              <a:schemeClr val="tx1"/>
+            </a:fontRef>
+          </p:style>
+          <p:txBody>
+            <a:bodyPr rtlCol="0" anchor="ctr"/>
+            <a:lstStyle/>
+            <a:p>
+              <a:pPr algn="ctr"/>
+              <a:endParaRPr lang="ko-KR" altLang="en-US"/>
+            </a:p>
+          </p:txBody>
+        </p:sp>
+      </p:grpSp>
     </p:spTree>
     <p:extLst>
       <p:ext uri="{BB962C8B-B14F-4D97-AF65-F5344CB8AC3E}">
-        <p14:creationId xmlns:p14="http://schemas.microsoft.com/office/powerpoint/2010/main" val="2097499677"/>
+        <p14:creationId xmlns:p14="http://schemas.microsoft.com/office/powerpoint/2010/main" val="3031788846"/>
       </p:ext>
     </p:extLst>
   </p:cSld>
@@ -4584,10 +4728,10 @@
       </p:cxnSp>
       <p:pic>
         <p:nvPicPr>
-          <p:cNvPr id="4" name="내용 개체 틀 6">
-            <a:extLst>
-              <a:ext uri="{FF2B5EF4-FFF2-40B4-BE49-F238E27FC236}">
-                <a16:creationId xmlns:a16="http://schemas.microsoft.com/office/drawing/2014/main" id="{A2A64339-F0DE-FC9B-150C-164C25B7EEFE}"/>
+          <p:cNvPr id="7" name="그림 6">
+            <a:extLst>
+              <a:ext uri="{FF2B5EF4-FFF2-40B4-BE49-F238E27FC236}">
+                <a16:creationId xmlns:a16="http://schemas.microsoft.com/office/drawing/2014/main" id="{3E150451-2436-6DD0-4DF3-9C6DD6C5133E}"/>
               </a:ext>
             </a:extLst>
           </p:cNvPr>
@@ -4604,8 +4748,38 @@
         </p:blipFill>
         <p:spPr>
           <a:xfrm>
-            <a:off x="3909679" y="1176494"/>
-            <a:ext cx="3984019" cy="5180633"/>
+            <a:off x="1069746" y="2959915"/>
+            <a:ext cx="5827682" cy="1539755"/>
+          </a:xfrm>
+          <a:prstGeom prst="rect">
+            <a:avLst/>
+          </a:prstGeom>
+        </p:spPr>
+      </p:pic>
+      <p:pic>
+        <p:nvPicPr>
+          <p:cNvPr id="9" name="그림 8">
+            <a:extLst>
+              <a:ext uri="{FF2B5EF4-FFF2-40B4-BE49-F238E27FC236}">
+                <a16:creationId xmlns:a16="http://schemas.microsoft.com/office/drawing/2014/main" id="{86E8EDD3-FFD1-E891-03CC-4C8178466DA8}"/>
+              </a:ext>
+            </a:extLst>
+          </p:cNvPr>
+          <p:cNvPicPr>
+            <a:picLocks noChangeAspect="1"/>
+          </p:cNvPicPr>
+          <p:nvPr/>
+        </p:nvPicPr>
+        <p:blipFill>
+          <a:blip r:embed="rId3"/>
+          <a:stretch>
+            <a:fillRect/>
+          </a:stretch>
+        </p:blipFill>
+        <p:spPr>
+          <a:xfrm>
+            <a:off x="7895825" y="874301"/>
+            <a:ext cx="1834616" cy="5710981"/>
           </a:xfrm>
           <a:prstGeom prst="rect">
             <a:avLst/>
@@ -4781,10 +4955,10 @@
       </p:cxnSp>
       <p:pic>
         <p:nvPicPr>
-          <p:cNvPr id="2" name="내용 개체 틀 6">
-            <a:extLst>
-              <a:ext uri="{FF2B5EF4-FFF2-40B4-BE49-F238E27FC236}">
-                <a16:creationId xmlns:a16="http://schemas.microsoft.com/office/drawing/2014/main" id="{88DDF4DA-39C5-AEE3-0402-AD709D3B360E}"/>
+          <p:cNvPr id="7" name="그림 6">
+            <a:extLst>
+              <a:ext uri="{FF2B5EF4-FFF2-40B4-BE49-F238E27FC236}">
+                <a16:creationId xmlns:a16="http://schemas.microsoft.com/office/drawing/2014/main" id="{A8930F9D-0096-2E28-CDA8-8A00F571BA7A}"/>
               </a:ext>
             </a:extLst>
           </p:cNvPr>
@@ -4801,8 +4975,8 @@
         </p:blipFill>
         <p:spPr>
           <a:xfrm>
-            <a:off x="1543708" y="1591141"/>
-            <a:ext cx="3842833" cy="4351338"/>
+            <a:off x="5767198" y="795936"/>
+            <a:ext cx="5054109" cy="5570428"/>
           </a:xfrm>
           <a:prstGeom prst="rect">
             <a:avLst/>
@@ -4811,10 +4985,10 @@
       </p:pic>
       <p:pic>
         <p:nvPicPr>
-          <p:cNvPr id="7" name="그림 6">
-            <a:extLst>
-              <a:ext uri="{FF2B5EF4-FFF2-40B4-BE49-F238E27FC236}">
-                <a16:creationId xmlns:a16="http://schemas.microsoft.com/office/drawing/2014/main" id="{A8930F9D-0096-2E28-CDA8-8A00F571BA7A}"/>
+          <p:cNvPr id="8" name="그림 7">
+            <a:extLst>
+              <a:ext uri="{FF2B5EF4-FFF2-40B4-BE49-F238E27FC236}">
+                <a16:creationId xmlns:a16="http://schemas.microsoft.com/office/drawing/2014/main" id="{886A339B-A4C3-10FC-1BA2-085173FAA887}"/>
               </a:ext>
             </a:extLst>
           </p:cNvPr>
@@ -4831,8 +5005,38 @@
         </p:blipFill>
         <p:spPr>
           <a:xfrm>
-            <a:off x="5974839" y="873611"/>
-            <a:ext cx="4673453" cy="5150885"/>
+            <a:off x="1163052" y="1417029"/>
+            <a:ext cx="4097927" cy="2490211"/>
+          </a:xfrm>
+          <a:prstGeom prst="rect">
+            <a:avLst/>
+          </a:prstGeom>
+        </p:spPr>
+      </p:pic>
+      <p:pic>
+        <p:nvPicPr>
+          <p:cNvPr id="10" name="그림 9">
+            <a:extLst>
+              <a:ext uri="{FF2B5EF4-FFF2-40B4-BE49-F238E27FC236}">
+                <a16:creationId xmlns:a16="http://schemas.microsoft.com/office/drawing/2014/main" id="{F17A6ADD-F6A8-DFE0-841A-570C45EA234E}"/>
+              </a:ext>
+            </a:extLst>
+          </p:cNvPr>
+          <p:cNvPicPr>
+            <a:picLocks noChangeAspect="1"/>
+          </p:cNvPicPr>
+          <p:nvPr/>
+        </p:nvPicPr>
+        <p:blipFill>
+          <a:blip r:embed="rId4"/>
+          <a:stretch>
+            <a:fillRect/>
+          </a:stretch>
+        </p:blipFill>
+        <p:spPr>
+          <a:xfrm>
+            <a:off x="1152919" y="3907240"/>
+            <a:ext cx="4108060" cy="1952379"/>
           </a:xfrm>
           <a:prstGeom prst="rect">
             <a:avLst/>
@@ -5008,10 +5212,10 @@
       </p:cxnSp>
       <p:pic>
         <p:nvPicPr>
-          <p:cNvPr id="2" name="그림 1">
-            <a:extLst>
-              <a:ext uri="{FF2B5EF4-FFF2-40B4-BE49-F238E27FC236}">
-                <a16:creationId xmlns:a16="http://schemas.microsoft.com/office/drawing/2014/main" id="{2ACB093D-E604-735F-71A5-E2166B94C398}"/>
+          <p:cNvPr id="7" name="내용 개체 틀 8">
+            <a:extLst>
+              <a:ext uri="{FF2B5EF4-FFF2-40B4-BE49-F238E27FC236}">
+                <a16:creationId xmlns:a16="http://schemas.microsoft.com/office/drawing/2014/main" id="{9707D545-5547-B001-886B-1EA4CFB5956D}"/>
               </a:ext>
             </a:extLst>
           </p:cNvPr>
@@ -5028,8 +5232,8 @@
         </p:blipFill>
         <p:spPr>
           <a:xfrm>
-            <a:off x="1163052" y="1762577"/>
-            <a:ext cx="4054191" cy="4008467"/>
+            <a:off x="6096000" y="799141"/>
+            <a:ext cx="4811486" cy="5310182"/>
           </a:xfrm>
           <a:prstGeom prst="rect">
             <a:avLst/>
@@ -5038,10 +5242,10 @@
       </p:pic>
       <p:pic>
         <p:nvPicPr>
-          <p:cNvPr id="7" name="내용 개체 틀 8">
-            <a:extLst>
-              <a:ext uri="{FF2B5EF4-FFF2-40B4-BE49-F238E27FC236}">
-                <a16:creationId xmlns:a16="http://schemas.microsoft.com/office/drawing/2014/main" id="{9707D545-5547-B001-886B-1EA4CFB5956D}"/>
+          <p:cNvPr id="8" name="그림 7">
+            <a:extLst>
+              <a:ext uri="{FF2B5EF4-FFF2-40B4-BE49-F238E27FC236}">
+                <a16:creationId xmlns:a16="http://schemas.microsoft.com/office/drawing/2014/main" id="{E210383D-7607-FD79-1BA4-49424FF6A37C}"/>
               </a:ext>
             </a:extLst>
           </p:cNvPr>
@@ -5058,8 +5262,38 @@
         </p:blipFill>
         <p:spPr>
           <a:xfrm>
-            <a:off x="6096000" y="1296712"/>
-            <a:ext cx="3942690" cy="4351338"/>
+            <a:off x="1163052" y="1609234"/>
+            <a:ext cx="3866148" cy="2535765"/>
+          </a:xfrm>
+          <a:prstGeom prst="rect">
+            <a:avLst/>
+          </a:prstGeom>
+        </p:spPr>
+      </p:pic>
+      <p:pic>
+        <p:nvPicPr>
+          <p:cNvPr id="10" name="그림 9">
+            <a:extLst>
+              <a:ext uri="{FF2B5EF4-FFF2-40B4-BE49-F238E27FC236}">
+                <a16:creationId xmlns:a16="http://schemas.microsoft.com/office/drawing/2014/main" id="{44248F5F-C6D8-0E09-7B3A-C5C122CC4827}"/>
+              </a:ext>
+            </a:extLst>
+          </p:cNvPr>
+          <p:cNvPicPr>
+            <a:picLocks noChangeAspect="1"/>
+          </p:cNvPicPr>
+          <p:nvPr/>
+        </p:nvPicPr>
+        <p:blipFill>
+          <a:blip r:embed="rId4"/>
+          <a:stretch>
+            <a:fillRect/>
+          </a:stretch>
+        </p:blipFill>
+        <p:spPr>
+          <a:xfrm>
+            <a:off x="1163052" y="4144999"/>
+            <a:ext cx="3866148" cy="1964324"/>
           </a:xfrm>
           <a:prstGeom prst="rect">
             <a:avLst/>
@@ -5255,8 +5489,8 @@
         </p:blipFill>
         <p:spPr>
           <a:xfrm>
-            <a:off x="2712638" y="908229"/>
-            <a:ext cx="6766723" cy="5197921"/>
+            <a:off x="2257601" y="908229"/>
+            <a:ext cx="7343597" cy="5641052"/>
           </a:xfrm>
           <a:prstGeom prst="rect">
             <a:avLst/>
@@ -5452,8 +5686,8 @@
         </p:blipFill>
         <p:spPr>
           <a:xfrm>
-            <a:off x="1914954" y="1842594"/>
-            <a:ext cx="7704488" cy="3848433"/>
+            <a:off x="1368778" y="1231966"/>
+            <a:ext cx="8796839" cy="4394068"/>
           </a:xfrm>
           <a:prstGeom prst="rect">
             <a:avLst/>
@@ -5649,8 +5883,8 @@
         </p:blipFill>
         <p:spPr>
           <a:xfrm>
-            <a:off x="1893206" y="1705422"/>
-            <a:ext cx="8405588" cy="4122777"/>
+            <a:off x="1260058" y="1218336"/>
+            <a:ext cx="9014279" cy="4421328"/>
           </a:xfrm>
           <a:prstGeom prst="rect">
             <a:avLst/>
@@ -5876,8 +6110,8 @@
         </p:blipFill>
         <p:spPr>
           <a:xfrm>
-            <a:off x="5598367" y="1667905"/>
-            <a:ext cx="6035119" cy="3360940"/>
+            <a:off x="5430416" y="1814983"/>
+            <a:ext cx="6466651" cy="3601259"/>
           </a:xfrm>
           <a:prstGeom prst="rect">
             <a:avLst/>
@@ -6073,8 +6307,8 @@
         </p:blipFill>
         <p:spPr>
           <a:xfrm>
-            <a:off x="683068" y="2042040"/>
-            <a:ext cx="3825572" cy="2773920"/>
+            <a:off x="627084" y="1814123"/>
+            <a:ext cx="4454221" cy="3229753"/>
           </a:xfrm>
           <a:prstGeom prst="rect">
             <a:avLst/>
@@ -6103,8 +6337,8 @@
         </p:blipFill>
         <p:spPr>
           <a:xfrm>
-            <a:off x="4595467" y="1399096"/>
-            <a:ext cx="7353937" cy="4099915"/>
+            <a:off x="5267271" y="1667259"/>
+            <a:ext cx="6609511" cy="3684888"/>
           </a:xfrm>
           <a:prstGeom prst="rect">
             <a:avLst/>
@@ -6300,8 +6534,8 @@
         </p:blipFill>
         <p:spPr>
           <a:xfrm>
-            <a:off x="2300911" y="1823542"/>
-            <a:ext cx="7590178" cy="3886537"/>
+            <a:off x="1896051" y="1278424"/>
+            <a:ext cx="8399897" cy="4301152"/>
           </a:xfrm>
           <a:prstGeom prst="rect">
             <a:avLst/>
@@ -6497,8 +6731,8 @@
         </p:blipFill>
         <p:spPr>
           <a:xfrm>
-            <a:off x="2485066" y="1514710"/>
-            <a:ext cx="7221868" cy="3828580"/>
+            <a:off x="2138888" y="1331188"/>
+            <a:ext cx="7914223" cy="4195623"/>
           </a:xfrm>
           <a:prstGeom prst="rect">
             <a:avLst/>
@@ -6723,7 +6957,7 @@
                 <a:latin typeface="Pretendard"/>
                 <a:cs typeface="+mn-cs"/>
               </a:rPr>
-              <a:t>주제선정</a:t>
+              <a:t>주제 선정</a:t>
             </a:r>
           </a:p>
         </p:txBody>
@@ -7289,7 +7523,7 @@
                 </a:solidFill>
                 <a:latin typeface="Pretendard"/>
               </a:rPr>
-              <a:t>결과분석</a:t>
+              <a:t>결과 분석</a:t>
             </a:r>
             <a:endParaRPr kumimoji="0" lang="ko-KR" altLang="en-US" sz="2800" b="1" i="0" u="none" strike="noStrike" kern="1200" cap="none" spc="0" normalizeH="0" baseline="0" noProof="0" dirty="0">
               <a:ln>

--- a/semi_project_final.pptx
+++ b/semi_project_final.pptx
@@ -27,6 +27,8 @@
     <p:sldId id="310" r:id="rId21"/>
     <p:sldId id="311" r:id="rId22"/>
     <p:sldId id="312" r:id="rId23"/>
+    <p:sldId id="314" r:id="rId24"/>
+    <p:sldId id="315" r:id="rId25"/>
   </p:sldIdLst>
   <p:sldSz cx="12192000" cy="6858000"/>
   <p:notesSz cx="6858000" cy="9144000"/>
@@ -7953,6 +7955,326 @@
     <p:extLst>
       <p:ext uri="{BB962C8B-B14F-4D97-AF65-F5344CB8AC3E}">
         <p14:creationId xmlns:p14="http://schemas.microsoft.com/office/powerpoint/2010/main" val="120382318"/>
+      </p:ext>
+    </p:extLst>
+  </p:cSld>
+  <p:clrMapOvr>
+    <a:masterClrMapping/>
+  </p:clrMapOvr>
+</p:sld>
+</file>
+
+<file path=ppt/slides/slide22.xml><?xml version="1.0" encoding="utf-8"?>
+<p:sld xmlns:a="http://schemas.openxmlformats.org/drawingml/2006/main" xmlns:r="http://schemas.openxmlformats.org/officeDocument/2006/relationships" xmlns:p="http://schemas.openxmlformats.org/presentationml/2006/main">
+  <p:cSld>
+    <p:bg>
+      <p:bgPr>
+        <a:solidFill>
+          <a:schemeClr val="accent3">
+            <a:lumMod val="20000"/>
+            <a:lumOff val="80000"/>
+          </a:schemeClr>
+        </a:solidFill>
+        <a:effectLst/>
+      </p:bgPr>
+    </p:bg>
+    <p:spTree>
+      <p:nvGrpSpPr>
+        <p:cNvPr id="1" name=""/>
+        <p:cNvGrpSpPr/>
+        <p:nvPr/>
+      </p:nvGrpSpPr>
+      <p:grpSpPr>
+        <a:xfrm>
+          <a:off x="0" y="0"/>
+          <a:ext cx="0" cy="0"/>
+          <a:chOff x="0" y="0"/>
+          <a:chExt cx="0" cy="0"/>
+        </a:xfrm>
+      </p:grpSpPr>
+      <p:cxnSp>
+        <p:nvCxnSpPr>
+          <p:cNvPr id="8" name="직선 연결선 7">
+            <a:extLst>
+              <a:ext uri="{FF2B5EF4-FFF2-40B4-BE49-F238E27FC236}">
+                <a16:creationId xmlns:a16="http://schemas.microsoft.com/office/drawing/2014/main" id="{E633DDF8-3BAF-1A37-9602-7601FFABECD2}"/>
+              </a:ext>
+            </a:extLst>
+          </p:cNvPr>
+          <p:cNvCxnSpPr/>
+          <p:nvPr/>
+        </p:nvCxnSpPr>
+        <p:spPr>
+          <a:xfrm>
+            <a:off x="267629" y="323385"/>
+            <a:ext cx="11924371" cy="0"/>
+          </a:xfrm>
+          <a:prstGeom prst="line">
+            <a:avLst/>
+          </a:prstGeom>
+          <a:ln>
+            <a:solidFill>
+              <a:schemeClr val="bg1"/>
+            </a:solidFill>
+          </a:ln>
+        </p:spPr>
+        <p:style>
+          <a:lnRef idx="1">
+            <a:schemeClr val="accent1"/>
+          </a:lnRef>
+          <a:fillRef idx="0">
+            <a:schemeClr val="accent1"/>
+          </a:fillRef>
+          <a:effectRef idx="0">
+            <a:schemeClr val="accent1"/>
+          </a:effectRef>
+          <a:fontRef idx="minor">
+            <a:schemeClr val="tx1"/>
+          </a:fontRef>
+        </p:style>
+      </p:cxnSp>
+      <p:sp>
+        <p:nvSpPr>
+          <p:cNvPr id="11" name="TextBox 10">
+            <a:extLst>
+              <a:ext uri="{FF2B5EF4-FFF2-40B4-BE49-F238E27FC236}">
+                <a16:creationId xmlns:a16="http://schemas.microsoft.com/office/drawing/2014/main" id="{9E7CAD06-A827-FDD3-87F2-CD1E8DC148CF}"/>
+              </a:ext>
+            </a:extLst>
+          </p:cNvPr>
+          <p:cNvSpPr txBox="1"/>
+          <p:nvPr/>
+        </p:nvSpPr>
+        <p:spPr>
+          <a:xfrm>
+            <a:off x="5074222" y="3044279"/>
+            <a:ext cx="2043556" cy="769441"/>
+          </a:xfrm>
+          <a:prstGeom prst="rect">
+            <a:avLst/>
+          </a:prstGeom>
+          <a:noFill/>
+        </p:spPr>
+        <p:txBody>
+          <a:bodyPr wrap="square" rtlCol="0">
+            <a:spAutoFit/>
+          </a:bodyPr>
+          <a:lstStyle/>
+          <a:p>
+            <a:pPr marL="0" marR="0" lvl="0" indent="0" algn="l" defTabSz="914400" rtl="0" eaLnBrk="1" fontAlgn="auto" latinLnBrk="1" hangingPunct="1">
+              <a:lnSpc>
+                <a:spcPct val="100000"/>
+              </a:lnSpc>
+              <a:spcBef>
+                <a:spcPts val="0"/>
+              </a:spcBef>
+              <a:spcAft>
+                <a:spcPts val="0"/>
+              </a:spcAft>
+              <a:buClrTx/>
+              <a:buSzTx/>
+              <a:buFontTx/>
+              <a:buNone/>
+              <a:tabLst/>
+              <a:defRPr/>
+            </a:pPr>
+            <a:r>
+              <a:rPr kumimoji="0" lang="en-US" altLang="ko-KR" sz="4400" b="1" i="0" u="none" strike="noStrike" kern="1200" cap="none" spc="0" normalizeH="0" baseline="0" noProof="0" dirty="0">
+                <a:ln>
+                  <a:noFill/>
+                </a:ln>
+                <a:solidFill>
+                  <a:prstClr val="black"/>
+                </a:solidFill>
+                <a:effectLst/>
+                <a:uLnTx/>
+                <a:uFillTx/>
+                <a:latin typeface="맑은 고딕" panose="020B0503020000020004" pitchFamily="50" charset="-127"/>
+                <a:ea typeface="맑은 고딕" panose="020B0503020000020004" pitchFamily="50" charset="-127"/>
+              </a:rPr>
+              <a:t>Q &amp; A</a:t>
+            </a:r>
+            <a:endParaRPr kumimoji="0" lang="ko-KR" altLang="en-US" sz="4400" b="1" i="0" u="none" strike="noStrike" kern="1200" cap="none" spc="0" normalizeH="0" baseline="0" noProof="0" dirty="0">
+              <a:ln>
+                <a:noFill/>
+              </a:ln>
+              <a:solidFill>
+                <a:prstClr val="black"/>
+              </a:solidFill>
+              <a:effectLst/>
+              <a:uLnTx/>
+              <a:uFillTx/>
+              <a:latin typeface="맑은 고딕" panose="020B0503020000020004" pitchFamily="50" charset="-127"/>
+              <a:ea typeface="맑은 고딕" panose="020B0503020000020004" pitchFamily="50" charset="-127"/>
+            </a:endParaRPr>
+          </a:p>
+        </p:txBody>
+      </p:sp>
+    </p:spTree>
+    <p:extLst>
+      <p:ext uri="{BB962C8B-B14F-4D97-AF65-F5344CB8AC3E}">
+        <p14:creationId xmlns:p14="http://schemas.microsoft.com/office/powerpoint/2010/main" val="3852006071"/>
+      </p:ext>
+    </p:extLst>
+  </p:cSld>
+  <p:clrMapOvr>
+    <a:masterClrMapping/>
+  </p:clrMapOvr>
+</p:sld>
+</file>
+
+<file path=ppt/slides/slide23.xml><?xml version="1.0" encoding="utf-8"?>
+<p:sld xmlns:a="http://schemas.openxmlformats.org/drawingml/2006/main" xmlns:r="http://schemas.openxmlformats.org/officeDocument/2006/relationships" xmlns:p="http://schemas.openxmlformats.org/presentationml/2006/main">
+  <p:cSld>
+    <p:bg>
+      <p:bgPr>
+        <a:solidFill>
+          <a:schemeClr val="accent3">
+            <a:lumMod val="20000"/>
+            <a:lumOff val="80000"/>
+          </a:schemeClr>
+        </a:solidFill>
+        <a:effectLst/>
+      </p:bgPr>
+    </p:bg>
+    <p:spTree>
+      <p:nvGrpSpPr>
+        <p:cNvPr id="1" name=""/>
+        <p:cNvGrpSpPr/>
+        <p:nvPr/>
+      </p:nvGrpSpPr>
+      <p:grpSpPr>
+        <a:xfrm>
+          <a:off x="0" y="0"/>
+          <a:ext cx="0" cy="0"/>
+          <a:chOff x="0" y="0"/>
+          <a:chExt cx="0" cy="0"/>
+        </a:xfrm>
+      </p:grpSpPr>
+      <p:cxnSp>
+        <p:nvCxnSpPr>
+          <p:cNvPr id="8" name="직선 연결선 7">
+            <a:extLst>
+              <a:ext uri="{FF2B5EF4-FFF2-40B4-BE49-F238E27FC236}">
+                <a16:creationId xmlns:a16="http://schemas.microsoft.com/office/drawing/2014/main" id="{E633DDF8-3BAF-1A37-9602-7601FFABECD2}"/>
+              </a:ext>
+            </a:extLst>
+          </p:cNvPr>
+          <p:cNvCxnSpPr/>
+          <p:nvPr/>
+        </p:nvCxnSpPr>
+        <p:spPr>
+          <a:xfrm>
+            <a:off x="267629" y="323385"/>
+            <a:ext cx="11924371" cy="0"/>
+          </a:xfrm>
+          <a:prstGeom prst="line">
+            <a:avLst/>
+          </a:prstGeom>
+          <a:ln>
+            <a:solidFill>
+              <a:schemeClr val="bg1"/>
+            </a:solidFill>
+          </a:ln>
+        </p:spPr>
+        <p:style>
+          <a:lnRef idx="1">
+            <a:schemeClr val="accent1"/>
+          </a:lnRef>
+          <a:fillRef idx="0">
+            <a:schemeClr val="accent1"/>
+          </a:fillRef>
+          <a:effectRef idx="0">
+            <a:schemeClr val="accent1"/>
+          </a:effectRef>
+          <a:fontRef idx="minor">
+            <a:schemeClr val="tx1"/>
+          </a:fontRef>
+        </p:style>
+      </p:cxnSp>
+      <p:sp>
+        <p:nvSpPr>
+          <p:cNvPr id="11" name="TextBox 10">
+            <a:extLst>
+              <a:ext uri="{FF2B5EF4-FFF2-40B4-BE49-F238E27FC236}">
+                <a16:creationId xmlns:a16="http://schemas.microsoft.com/office/drawing/2014/main" id="{9E7CAD06-A827-FDD3-87F2-CD1E8DC148CF}"/>
+              </a:ext>
+            </a:extLst>
+          </p:cNvPr>
+          <p:cNvSpPr txBox="1"/>
+          <p:nvPr/>
+        </p:nvSpPr>
+        <p:spPr>
+          <a:xfrm>
+            <a:off x="4560299" y="3044279"/>
+            <a:ext cx="3071402" cy="769441"/>
+          </a:xfrm>
+          <a:prstGeom prst="rect">
+            <a:avLst/>
+          </a:prstGeom>
+          <a:noFill/>
+        </p:spPr>
+        <p:txBody>
+          <a:bodyPr wrap="square" rtlCol="0">
+            <a:spAutoFit/>
+          </a:bodyPr>
+          <a:lstStyle/>
+          <a:p>
+            <a:pPr marL="0" marR="0" lvl="0" indent="0" algn="l" defTabSz="914400" rtl="0" eaLnBrk="1" fontAlgn="auto" latinLnBrk="1" hangingPunct="1">
+              <a:lnSpc>
+                <a:spcPct val="100000"/>
+              </a:lnSpc>
+              <a:spcBef>
+                <a:spcPts val="0"/>
+              </a:spcBef>
+              <a:spcAft>
+                <a:spcPts val="0"/>
+              </a:spcAft>
+              <a:buClrTx/>
+              <a:buSzTx/>
+              <a:buFontTx/>
+              <a:buNone/>
+              <a:tabLst/>
+              <a:defRPr/>
+            </a:pPr>
+            <a:r>
+              <a:rPr kumimoji="0" lang="en-US" altLang="ko-KR" sz="4400" b="1" i="0" u="none" strike="noStrike" kern="1200" cap="none" spc="0" normalizeH="0" baseline="0" noProof="0" dirty="0">
+                <a:ln>
+                  <a:noFill/>
+                </a:ln>
+                <a:solidFill>
+                  <a:prstClr val="black"/>
+                </a:solidFill>
+                <a:effectLst/>
+                <a:uLnTx/>
+                <a:uFillTx/>
+                <a:latin typeface="맑은 고딕" panose="020B0503020000020004" pitchFamily="50" charset="-127"/>
+                <a:ea typeface="맑은 고딕" panose="020B0503020000020004" pitchFamily="50" charset="-127"/>
+                <a:cs typeface="+mn-cs"/>
+              </a:rPr>
+              <a:t>Thank You</a:t>
+            </a:r>
+            <a:endParaRPr kumimoji="0" lang="ko-KR" altLang="en-US" sz="4400" b="1" i="0" u="none" strike="noStrike" kern="1200" cap="none" spc="0" normalizeH="0" baseline="0" noProof="0" dirty="0">
+              <a:ln>
+                <a:noFill/>
+              </a:ln>
+              <a:solidFill>
+                <a:prstClr val="black"/>
+              </a:solidFill>
+              <a:effectLst/>
+              <a:uLnTx/>
+              <a:uFillTx/>
+              <a:latin typeface="맑은 고딕" panose="020B0503020000020004" pitchFamily="50" charset="-127"/>
+              <a:ea typeface="맑은 고딕" panose="020B0503020000020004" pitchFamily="50" charset="-127"/>
+              <a:cs typeface="+mn-cs"/>
+            </a:endParaRPr>
+          </a:p>
+        </p:txBody>
+      </p:sp>
+    </p:spTree>
+    <p:extLst>
+      <p:ext uri="{BB962C8B-B14F-4D97-AF65-F5344CB8AC3E}">
+        <p14:creationId xmlns:p14="http://schemas.microsoft.com/office/powerpoint/2010/main" val="1323276369"/>
       </p:ext>
     </p:extLst>
   </p:cSld>
@@ -9506,21 +9828,20 @@
                 <a:effectLst/>
                 <a:latin typeface="gg sans"/>
               </a:rPr>
-              <a:t>모의 출산 나이를 장애아동 </a:t>
-            </a:r>
-            <a:r>
-              <a:rPr lang="ko-KR" altLang="en-US" b="0" i="0" dirty="0" err="1">
-                <a:effectLst/>
+              <a:t>모의 출산 나이를 장애아동 발생율</a:t>
+            </a:r>
+            <a:r>
+              <a:rPr lang="ko-KR" altLang="en-US" dirty="0">
                 <a:latin typeface="gg sans"/>
               </a:rPr>
-              <a:t>발생율</a:t>
+              <a:t>과</a:t>
             </a:r>
             <a:r>
               <a:rPr lang="ko-KR" altLang="en-US" b="0" i="0" dirty="0">
                 <a:effectLst/>
                 <a:latin typeface="gg sans"/>
               </a:rPr>
-              <a:t> 각각 비교하여 부</a:t>
+              <a:t> 비교하여 부</a:t>
             </a:r>
             <a:r>
               <a:rPr lang="en-US" altLang="ko-KR" b="0" i="0" dirty="0">
@@ -9534,7 +9855,7 @@
                 <a:effectLst/>
                 <a:latin typeface="gg sans"/>
               </a:rPr>
-              <a:t>모의 나이가 장애아동 발생에 영향을 주는 지 확인</a:t>
+              <a:t>모의 나이가 아이의 장애 발현에 영향을 주는 지 확인</a:t>
             </a:r>
             <a:endParaRPr lang="ko-KR" altLang="en-US" dirty="0"/>
           </a:p>
@@ -11854,8 +12175,8 @@
         </p:blipFill>
         <p:spPr>
           <a:xfrm>
-            <a:off x="1163052" y="1673124"/>
-            <a:ext cx="5243014" cy="3673158"/>
+            <a:off x="913294" y="1560986"/>
+            <a:ext cx="5788254" cy="4055143"/>
           </a:xfrm>
           <a:prstGeom prst="rect">
             <a:avLst/>
@@ -11884,8 +12205,8 @@
         </p:blipFill>
         <p:spPr>
           <a:xfrm>
-            <a:off x="7863998" y="1241870"/>
-            <a:ext cx="2644369" cy="4374259"/>
+            <a:off x="7621402" y="1039859"/>
+            <a:ext cx="2912859" cy="4818389"/>
           </a:xfrm>
           <a:prstGeom prst="rect">
             <a:avLst/>
@@ -12110,8 +12431,8 @@
         </p:blipFill>
         <p:spPr>
           <a:xfrm>
-            <a:off x="1347781" y="1926421"/>
-            <a:ext cx="4198984" cy="3680779"/>
+            <a:off x="1293680" y="1421590"/>
+            <a:ext cx="4932948" cy="4324163"/>
           </a:xfrm>
           <a:prstGeom prst="rect">
             <a:avLst/>
@@ -12140,8 +12461,8 @@
         </p:blipFill>
         <p:spPr>
           <a:xfrm>
-            <a:off x="6949429" y="1926421"/>
-            <a:ext cx="3143377" cy="3673158"/>
+            <a:off x="6809470" y="1421590"/>
+            <a:ext cx="3894790" cy="4551213"/>
           </a:xfrm>
           <a:prstGeom prst="rect">
             <a:avLst/>

--- a/semi_project_final.pptx
+++ b/semi_project_final.pptx
@@ -4656,20 +4656,12 @@
               <a:t>&gt; </a:t>
             </a:r>
             <a:r>
-              <a:rPr lang="ko-KR" altLang="en-US" sz="2800" b="1" spc="-300" dirty="0" err="1">
-                <a:solidFill>
-                  <a:schemeClr val="accent1"/>
-                </a:solidFill>
-              </a:rPr>
-              <a:t>년도별</a:t>
-            </a:r>
-            <a:r>
               <a:rPr lang="ko-KR" altLang="en-US" sz="2800" b="1" spc="-300" dirty="0">
                 <a:solidFill>
                   <a:schemeClr val="accent1"/>
                 </a:solidFill>
               </a:rPr>
-              <a:t> 인구대비 장애인 비율 데이터 </a:t>
+              <a:t>연도별 인구대비 장애인 비율 데이터 </a:t>
             </a:r>
             <a:r>
               <a:rPr lang="ko-KR" altLang="en-US" sz="2800" b="1" spc="-300" dirty="0" err="1">
@@ -8437,7 +8429,7 @@
           <p:nvPr>
             <p:extLst>
               <p:ext uri="{D42A27DB-BD31-4B8C-83A1-F6EECF244321}">
-                <p14:modId xmlns:p14="http://schemas.microsoft.com/office/powerpoint/2010/main" val="3052316990"/>
+                <p14:modId xmlns:p14="http://schemas.microsoft.com/office/powerpoint/2010/main" val="1595265681"/>
               </p:ext>
             </p:extLst>
           </p:nvPr>
@@ -9238,10 +9230,10 @@
                         </a:spcAft>
                       </a:pPr>
                       <a:r>
-                        <a:rPr lang="ko-KR" sz="1600" kern="100" dirty="0">
+                        <a:rPr lang="ko-KR" altLang="en-US" sz="1600" kern="100" dirty="0">
                           <a:effectLst/>
                         </a:rPr>
-                        <a:t>확실한 데이터와 다양한 자료가 있어 결과를 </a:t>
+                        <a:t>소비자 심리지수 데이터 분석으로 앞으로의 소비지출</a:t>
                       </a:r>
                       <a:endParaRPr lang="en-US" altLang="ko-KR" sz="1600" kern="100" dirty="0">
                         <a:effectLst/>
@@ -9257,16 +9249,13 @@
                         </a:spcAft>
                       </a:pPr>
                       <a:r>
-                        <a:rPr lang="ko-KR" sz="1600" kern="100" dirty="0">
+                        <a:rPr lang="ko-KR" altLang="en-US" sz="1600" kern="100" dirty="0">
                           <a:effectLst/>
+                          <a:latin typeface="맑은 고딕" panose="020B0503020000020004" pitchFamily="50" charset="-127"/>
+                          <a:ea typeface="맑은 고딕" panose="020B0503020000020004" pitchFamily="50" charset="-127"/>
+                          <a:cs typeface="Times New Roman" panose="02020603050405020304" pitchFamily="18" charset="0"/>
                         </a:rPr>
-                        <a:t>정확하게 도출할 수 있다</a:t>
-                      </a:r>
-                      <a:r>
-                        <a:rPr lang="en-US" sz="1600" kern="100" dirty="0">
-                          <a:effectLst/>
-                        </a:rPr>
-                        <a:t>.</a:t>
+                        <a:t>전망이 어떤 지수들과 관련이 있을지 분석 </a:t>
                       </a:r>
                       <a:endParaRPr lang="ko-KR" sz="1600" kern="100" dirty="0">
                         <a:effectLst/>
@@ -9814,48 +9803,117 @@
                 <a:effectLst/>
                 <a:latin typeface="gg sans"/>
               </a:rPr>
-              <a:t> 부</a:t>
+              <a:t> </a:t>
+            </a:r>
+            <a:r>
+              <a:rPr lang="ko-KR" altLang="en-US" b="0" i="0" dirty="0">
+                <a:solidFill>
+                  <a:srgbClr val="202124"/>
+                </a:solidFill>
+                <a:effectLst/>
+                <a:latin typeface="Apple SD Gothic Neo"/>
+              </a:rPr>
+              <a:t>세계보건기구</a:t>
             </a:r>
             <a:r>
               <a:rPr lang="en-US" altLang="ko-KR" b="0" i="0" dirty="0">
+                <a:solidFill>
+                  <a:srgbClr val="202124"/>
+                </a:solidFill>
                 <a:effectLst/>
-                <a:latin typeface="gg sans"/>
+                <a:latin typeface="Apple SD Gothic Neo"/>
               </a:rPr>
-              <a:t>, </a:t>
+              <a:t>(WHO)</a:t>
             </a:r>
             <a:r>
               <a:rPr lang="ko-KR" altLang="en-US" b="0" i="0" dirty="0">
+                <a:solidFill>
+                  <a:srgbClr val="202124"/>
+                </a:solidFill>
                 <a:effectLst/>
-                <a:latin typeface="gg sans"/>
+                <a:latin typeface="Apple SD Gothic Neo"/>
               </a:rPr>
-              <a:t>모의 출산 나이를 장애아동 발생율</a:t>
-            </a:r>
-            <a:r>
-              <a:rPr lang="ko-KR" altLang="en-US" dirty="0">
-                <a:latin typeface="gg sans"/>
+              <a:t>와 국제산부인과학회는 고령 출산의 기준을 초산 여부와 관계없이 </a:t>
+            </a:r>
+            <a:r>
+              <a:rPr lang="en-US" altLang="ko-KR" b="0" i="0" dirty="0">
+                <a:solidFill>
+                  <a:srgbClr val="202124"/>
+                </a:solidFill>
+                <a:effectLst/>
+                <a:latin typeface="Apple SD Gothic Neo"/>
               </a:rPr>
-              <a:t>과</a:t>
+              <a:t>35</a:t>
             </a:r>
             <a:r>
               <a:rPr lang="ko-KR" altLang="en-US" b="0" i="0" dirty="0">
+                <a:solidFill>
+                  <a:srgbClr val="202124"/>
+                </a:solidFill>
                 <a:effectLst/>
-                <a:latin typeface="gg sans"/>
+                <a:latin typeface="Apple SD Gothic Neo"/>
               </a:rPr>
-              <a:t> 비교하여 부</a:t>
+              <a:t>세로 보고</a:t>
             </a:r>
             <a:r>
               <a:rPr lang="en-US" altLang="ko-KR" b="0" i="0" dirty="0">
+                <a:solidFill>
+                  <a:srgbClr val="202124"/>
+                </a:solidFill>
                 <a:effectLst/>
-                <a:latin typeface="gg sans"/>
+                <a:latin typeface="Apple SD Gothic Neo"/>
               </a:rPr>
-              <a:t>, </a:t>
+              <a:t>, </a:t>
             </a:r>
             <a:r>
               <a:rPr lang="ko-KR" altLang="en-US" b="0" i="0" dirty="0">
+                <a:solidFill>
+                  <a:srgbClr val="040C28"/>
+                </a:solidFill>
                 <a:effectLst/>
-                <a:latin typeface="gg sans"/>
+                <a:latin typeface="Apple SD Gothic Neo"/>
               </a:rPr>
-              <a:t>모의 나이가 아이의 장애 발현에 영향을 주는 지 확인</a:t>
+              <a:t>만 </a:t>
+            </a:r>
+            <a:r>
+              <a:rPr lang="en-US" altLang="ko-KR" b="0" i="0" dirty="0">
+                <a:solidFill>
+                  <a:srgbClr val="040C28"/>
+                </a:solidFill>
+                <a:effectLst/>
+                <a:latin typeface="Apple SD Gothic Neo"/>
+              </a:rPr>
+              <a:t>35</a:t>
+            </a:r>
+            <a:r>
+              <a:rPr lang="ko-KR" altLang="en-US" b="0" i="0" dirty="0">
+                <a:solidFill>
+                  <a:srgbClr val="040C28"/>
+                </a:solidFill>
+                <a:effectLst/>
+                <a:latin typeface="Apple SD Gothic Neo"/>
+              </a:rPr>
+              <a:t>세 이상의 여성</a:t>
+            </a:r>
+            <a:r>
+              <a:rPr lang="ko-KR" altLang="en-US" b="0" i="0" dirty="0">
+                <a:solidFill>
+                  <a:srgbClr val="202124"/>
+                </a:solidFill>
+                <a:effectLst/>
+                <a:latin typeface="Apple SD Gothic Neo"/>
+              </a:rPr>
+              <a:t>을 고령 임신부로 분류한다</a:t>
+            </a:r>
+            <a:r>
+              <a:rPr lang="en-US" altLang="ko-KR" b="0" i="0" dirty="0">
+                <a:solidFill>
+                  <a:srgbClr val="202124"/>
+                </a:solidFill>
+                <a:effectLst/>
+                <a:latin typeface="Apple SD Gothic Neo"/>
+              </a:rPr>
+              <a:t>.</a:t>
             </a:r>
             <a:endParaRPr lang="ko-KR" altLang="en-US" dirty="0"/>
           </a:p>
@@ -9926,7 +9984,7 @@
           <a:p>
             <a:r>
               <a:rPr lang="ko-KR" altLang="en-US" sz="2800" b="1" dirty="0"/>
-              <a:t>목적</a:t>
+              <a:t>목표</a:t>
             </a:r>
           </a:p>
         </p:txBody>
@@ -10205,7 +10263,7 @@
           <p:nvPr>
             <p:extLst>
               <p:ext uri="{D42A27DB-BD31-4B8C-83A1-F6EECF244321}">
-                <p14:modId xmlns:p14="http://schemas.microsoft.com/office/powerpoint/2010/main" val="1886001185"/>
+                <p14:modId xmlns:p14="http://schemas.microsoft.com/office/powerpoint/2010/main" val="2992596526"/>
               </p:ext>
             </p:extLst>
           </p:nvPr>
@@ -10574,18 +10632,6 @@
                         </a:spcAft>
                       </a:pPr>
                       <a:r>
-                        <a:rPr lang="ko-KR" altLang="en-US" sz="1400" kern="100" dirty="0" err="1">
-                          <a:solidFill>
-                            <a:schemeClr val="tx1"/>
-                          </a:solidFill>
-                          <a:effectLst/>
-                          <a:latin typeface="맑은 고딕" panose="020B0503020000020004" pitchFamily="50" charset="-127"/>
-                          <a:ea typeface="맑은 고딕" panose="020B0503020000020004" pitchFamily="50" charset="-127"/>
-                          <a:cs typeface="Times New Roman" panose="02020603050405020304" pitchFamily="18" charset="0"/>
-                        </a:rPr>
-                        <a:t>년도별</a:t>
-                      </a:r>
-                      <a:r>
                         <a:rPr lang="ko-KR" altLang="en-US" sz="1400" kern="100" dirty="0">
                           <a:solidFill>
                             <a:schemeClr val="tx1"/>
@@ -10595,7 +10641,7 @@
                           <a:ea typeface="맑은 고딕" panose="020B0503020000020004" pitchFamily="50" charset="-127"/>
                           <a:cs typeface="Times New Roman" panose="02020603050405020304" pitchFamily="18" charset="0"/>
                         </a:rPr>
-                        <a:t> </a:t>
+                        <a:t>연도별 </a:t>
                       </a:r>
                       <a:r>
                         <a:rPr lang="ko-KR" altLang="en-US" sz="1400" kern="100" dirty="0" err="1">
@@ -10815,18 +10861,6 @@
                         <a:defRPr/>
                       </a:pPr>
                       <a:r>
-                        <a:rPr lang="ko-KR" altLang="en-US" sz="1400" kern="100" dirty="0" err="1">
-                          <a:solidFill>
-                            <a:schemeClr val="tx1"/>
-                          </a:solidFill>
-                          <a:effectLst/>
-                          <a:latin typeface="맑은 고딕" panose="020B0503020000020004" pitchFamily="50" charset="-127"/>
-                          <a:ea typeface="+mn-ea"/>
-                          <a:cs typeface="Times New Roman" panose="02020603050405020304" pitchFamily="18" charset="0"/>
-                        </a:rPr>
-                        <a:t>년도별</a:t>
-                      </a:r>
-                      <a:r>
                         <a:rPr lang="ko-KR" altLang="en-US" sz="1400" kern="100" dirty="0">
                           <a:solidFill>
                             <a:schemeClr val="tx1"/>
@@ -10836,7 +10870,7 @@
                           <a:ea typeface="+mn-ea"/>
                           <a:cs typeface="Times New Roman" panose="02020603050405020304" pitchFamily="18" charset="0"/>
                         </a:rPr>
-                        <a:t> </a:t>
+                        <a:t>연도별 </a:t>
                       </a:r>
                       <a:r>
                         <a:rPr lang="ko-KR" altLang="en-US" sz="1400" kern="100" dirty="0" err="1">
@@ -11047,58 +11081,13 @@
                         </a:spcAft>
                       </a:pPr>
                       <a:r>
-                        <a:rPr lang="ko-KR" altLang="en-US" sz="1400" kern="100" dirty="0" err="1">
-                          <a:effectLst/>
-                          <a:latin typeface="맑은 고딕" panose="020B0503020000020004" pitchFamily="50" charset="-127"/>
-                          <a:ea typeface="맑은 고딕" panose="020B0503020000020004" pitchFamily="50" charset="-127"/>
-                          <a:cs typeface="Times New Roman" panose="02020603050405020304" pitchFamily="18" charset="0"/>
-                        </a:rPr>
-                        <a:t>년도별</a:t>
-                      </a:r>
-                      <a:r>
                         <a:rPr lang="ko-KR" altLang="en-US" sz="1400" kern="100" dirty="0">
                           <a:effectLst/>
                           <a:latin typeface="맑은 고딕" panose="020B0503020000020004" pitchFamily="50" charset="-127"/>
                           <a:ea typeface="맑은 고딕" panose="020B0503020000020004" pitchFamily="50" charset="-127"/>
                           <a:cs typeface="Times New Roman" panose="02020603050405020304" pitchFamily="18" charset="0"/>
                         </a:rPr>
-                        <a:t> </a:t>
-                      </a:r>
-                      <a:r>
-                        <a:rPr lang="en-US" altLang="ko-KR" sz="1400" kern="100" dirty="0">
-                          <a:effectLst/>
-                          <a:latin typeface="맑은 고딕" panose="020B0503020000020004" pitchFamily="50" charset="-127"/>
-                          <a:ea typeface="맑은 고딕" panose="020B0503020000020004" pitchFamily="50" charset="-127"/>
-                          <a:cs typeface="Times New Roman" panose="02020603050405020304" pitchFamily="18" charset="0"/>
-                        </a:rPr>
-                        <a:t>1</a:t>
-                      </a:r>
-                      <a:r>
-                        <a:rPr lang="ko-KR" altLang="en-US" sz="1400" kern="100" dirty="0">
-                          <a:effectLst/>
-                          <a:latin typeface="맑은 고딕" panose="020B0503020000020004" pitchFamily="50" charset="-127"/>
-                          <a:ea typeface="맑은 고딕" panose="020B0503020000020004" pitchFamily="50" charset="-127"/>
-                          <a:cs typeface="Times New Roman" panose="02020603050405020304" pitchFamily="18" charset="0"/>
-                        </a:rPr>
-                        <a:t>세</a:t>
-                      </a:r>
-                      <a:r>
-                        <a:rPr lang="en-US" altLang="ko-KR" sz="1400" kern="100" dirty="0">
-                          <a:effectLst/>
-                          <a:latin typeface="맑은 고딕" panose="020B0503020000020004" pitchFamily="50" charset="-127"/>
-                          <a:ea typeface="맑은 고딕" panose="020B0503020000020004" pitchFamily="50" charset="-127"/>
-                          <a:cs typeface="Times New Roman" panose="02020603050405020304" pitchFamily="18" charset="0"/>
-                        </a:rPr>
-                        <a:t>~10</a:t>
-                      </a:r>
-                      <a:r>
-                        <a:rPr lang="ko-KR" altLang="en-US" sz="1400" kern="100" dirty="0">
-                          <a:effectLst/>
-                          <a:latin typeface="맑은 고딕" panose="020B0503020000020004" pitchFamily="50" charset="-127"/>
-                          <a:ea typeface="맑은 고딕" panose="020B0503020000020004" pitchFamily="50" charset="-127"/>
-                          <a:cs typeface="Times New Roman" panose="02020603050405020304" pitchFamily="18" charset="0"/>
-                        </a:rPr>
-                        <a:t>세의 총 인구대비 장애인 비율 </a:t>
+                        <a:t>연도별 인구대비 장애인 비율 </a:t>
                       </a:r>
                       <a:endParaRPr lang="en-US" altLang="ko-KR" sz="1400" kern="100" dirty="0">
                         <a:effectLst/>
@@ -11299,58 +11288,13 @@
                         </a:spcAft>
                       </a:pPr>
                       <a:r>
-                        <a:rPr lang="ko-KR" altLang="en-US" sz="1400" kern="100" dirty="0" err="1">
-                          <a:effectLst/>
-                          <a:latin typeface="맑은 고딕" panose="020B0503020000020004" pitchFamily="50" charset="-127"/>
-                          <a:ea typeface="+mn-ea"/>
-                          <a:cs typeface="Times New Roman" panose="02020603050405020304" pitchFamily="18" charset="0"/>
-                        </a:rPr>
-                        <a:t>년도별</a:t>
-                      </a:r>
-                      <a:r>
                         <a:rPr lang="ko-KR" altLang="en-US" sz="1400" kern="100" dirty="0">
                           <a:effectLst/>
                           <a:latin typeface="맑은 고딕" panose="020B0503020000020004" pitchFamily="50" charset="-127"/>
                           <a:ea typeface="+mn-ea"/>
                           <a:cs typeface="Times New Roman" panose="02020603050405020304" pitchFamily="18" charset="0"/>
                         </a:rPr>
-                        <a:t> </a:t>
-                      </a:r>
-                      <a:r>
-                        <a:rPr lang="en-US" altLang="ko-KR" sz="1400" kern="100" dirty="0">
-                          <a:effectLst/>
-                          <a:latin typeface="맑은 고딕" panose="020B0503020000020004" pitchFamily="50" charset="-127"/>
-                          <a:ea typeface="+mn-ea"/>
-                          <a:cs typeface="Times New Roman" panose="02020603050405020304" pitchFamily="18" charset="0"/>
-                        </a:rPr>
-                        <a:t>1</a:t>
-                      </a:r>
-                      <a:r>
-                        <a:rPr lang="ko-KR" altLang="en-US" sz="1400" kern="100" dirty="0">
-                          <a:effectLst/>
-                          <a:latin typeface="맑은 고딕" panose="020B0503020000020004" pitchFamily="50" charset="-127"/>
-                          <a:ea typeface="+mn-ea"/>
-                          <a:cs typeface="Times New Roman" panose="02020603050405020304" pitchFamily="18" charset="0"/>
-                        </a:rPr>
-                        <a:t>세</a:t>
-                      </a:r>
-                      <a:r>
-                        <a:rPr lang="en-US" altLang="ko-KR" sz="1400" kern="100" dirty="0">
-                          <a:effectLst/>
-                          <a:latin typeface="맑은 고딕" panose="020B0503020000020004" pitchFamily="50" charset="-127"/>
-                          <a:ea typeface="+mn-ea"/>
-                          <a:cs typeface="Times New Roman" panose="02020603050405020304" pitchFamily="18" charset="0"/>
-                        </a:rPr>
-                        <a:t>~10</a:t>
-                      </a:r>
-                      <a:r>
-                        <a:rPr lang="ko-KR" altLang="en-US" sz="1400" kern="100" dirty="0">
-                          <a:effectLst/>
-                          <a:latin typeface="맑은 고딕" panose="020B0503020000020004" pitchFamily="50" charset="-127"/>
-                          <a:ea typeface="+mn-ea"/>
-                          <a:cs typeface="Times New Roman" panose="02020603050405020304" pitchFamily="18" charset="0"/>
-                        </a:rPr>
-                        <a:t>세의 총 인구대비 장애인 비율 </a:t>
+                        <a:t>연도별 인구대비 장애인 비율 </a:t>
                       </a:r>
                       <a:endParaRPr lang="en-US" altLang="ko-KR" sz="1400" kern="100" dirty="0">
                         <a:effectLst/>
@@ -11825,20 +11769,12 @@
               <a:t>&gt; </a:t>
             </a:r>
             <a:r>
-              <a:rPr lang="ko-KR" altLang="en-US" sz="2800" b="1" spc="-300" dirty="0" err="1">
-                <a:solidFill>
-                  <a:schemeClr val="accent1"/>
-                </a:solidFill>
-              </a:rPr>
-              <a:t>년도별</a:t>
-            </a:r>
-            <a:r>
               <a:rPr lang="ko-KR" altLang="en-US" sz="2800" b="1" spc="-300" dirty="0">
                 <a:solidFill>
                   <a:schemeClr val="accent1"/>
                 </a:solidFill>
               </a:rPr>
-              <a:t> 모의 데이터 </a:t>
+              <a:t>연도별 모의 데이터 </a:t>
             </a:r>
             <a:r>
               <a:rPr lang="ko-KR" altLang="en-US" sz="2800" b="1" spc="-300" dirty="0" err="1">
@@ -12081,20 +12017,12 @@
               <a:t>&gt; </a:t>
             </a:r>
             <a:r>
-              <a:rPr lang="ko-KR" altLang="en-US" sz="2800" b="1" spc="-300" dirty="0" err="1">
-                <a:solidFill>
-                  <a:schemeClr val="accent1"/>
-                </a:solidFill>
-              </a:rPr>
-              <a:t>년도별</a:t>
-            </a:r>
-            <a:r>
               <a:rPr lang="ko-KR" altLang="en-US" sz="2800" b="1" spc="-300" dirty="0">
                 <a:solidFill>
                   <a:schemeClr val="accent1"/>
                 </a:solidFill>
               </a:rPr>
-              <a:t> 부의 데이터 </a:t>
+              <a:t>연도별 부의 데이터 </a:t>
             </a:r>
             <a:r>
               <a:rPr lang="ko-KR" altLang="en-US" sz="2800" b="1" spc="-300" dirty="0" err="1">
@@ -12337,20 +12265,12 @@
               <a:t>&gt; </a:t>
             </a:r>
             <a:r>
-              <a:rPr lang="ko-KR" altLang="en-US" sz="2800" b="1" spc="-300" dirty="0" err="1">
-                <a:solidFill>
-                  <a:schemeClr val="accent1"/>
-                </a:solidFill>
-              </a:rPr>
-              <a:t>년도별</a:t>
-            </a:r>
-            <a:r>
               <a:rPr lang="ko-KR" altLang="en-US" sz="2800" b="1" spc="-300" dirty="0">
                 <a:solidFill>
                   <a:schemeClr val="accent1"/>
                 </a:solidFill>
               </a:rPr>
-              <a:t> 인구대비 장애인 비율 데이터 </a:t>
+              <a:t>연도별 인구대비 장애인 비율 데이터 </a:t>
             </a:r>
             <a:r>
               <a:rPr lang="ko-KR" altLang="en-US" sz="2800" b="1" spc="-300" dirty="0" err="1">
